--- a/MEMORIAS/Presentación.pptx
+++ b/MEMORIAS/Presentación.pptx
@@ -5036,15 +5036,24 @@
                 </a:solidFill>
                 <a:hlinkClick r:id="rId5"/>
               </a:rPr>
-              <a:t>https://github.com/vdelam00/SIBIVideojuegos</a:t>
-            </a:r>
-            <a:r>
-              <a:rPr lang="es-ES" dirty="0" smtClean="0">
-                <a:solidFill>
-                  <a:schemeClr val="bg1"/>
-                </a:solidFill>
-              </a:rPr>
-              <a:t> </a:t>
+              <a:t>https://</a:t>
+            </a:r>
+            <a:r>
+              <a:rPr lang="es-ES" dirty="0" smtClean="0">
+                <a:solidFill>
+                  <a:schemeClr val="bg1"/>
+                </a:solidFill>
+                <a:hlinkClick r:id="rId5"/>
+              </a:rPr>
+              <a:t>github.com/vdelam00/VideojuegosSIBI</a:t>
+            </a:r>
+            <a:r>
+              <a:rPr lang="es-ES" dirty="0" smtClean="0">
+                <a:solidFill>
+                  <a:schemeClr val="bg1"/>
+                </a:solidFill>
+              </a:rPr>
+              <a:t>  </a:t>
             </a:r>
             <a:endParaRPr lang="es-ES" dirty="0"/>
           </a:p>
